--- a/Daily(written_in_Korean)/181020.pptx
+++ b/Daily(written_in_Korean)/181020.pptx
@@ -149,7 +149,7 @@
   </p:defaultTextStyle>
   <p:extLst>
     <p:ext uri="{EFAFB233-063F-42B5-8137-9DF3F51BA10A}">
-      <p15:sldGuideLst xmlns:p15="http://schemas.microsoft.com/office/powerpoint/2012/main">
+      <p15:sldGuideLst xmlns:p15="http://schemas.microsoft.com/office/powerpoint/2012/main" xmlns="">
         <p15:guide id="1" orient="horz" pos="2160">
           <p15:clr>
             <a:srgbClr val="A4A3A4"/>
@@ -266,7 +266,7 @@
               <a:pPr>
                 <a:defRPr/>
               </a:pPr>
-              <a:t>2018-10-19</a:t>
+              <a:t>2018-10-20</a:t>
             </a:fld>
             <a:endParaRPr lang="ko-KR" altLang="en-US"/>
           </a:p>
@@ -9989,14 +9989,6 @@
               </a:rPr>
               <a:t>0/1 Knapsack Problem</a:t>
             </a:r>
-            <a:endParaRPr lang="en-US" altLang="ko-KR" sz="2000" kern="0" dirty="0" smtClean="0">
-              <a:solidFill>
-                <a:srgbClr val="000000"/>
-              </a:solidFill>
-              <a:latin typeface="Arial"/>
-              <a:ea typeface="굴림"/>
-              <a:cs typeface="Tahoma" panose="020B0604030504040204" pitchFamily="34" charset="0"/>
-            </a:endParaRPr>
           </a:p>
           <a:p>
             <a:pPr marL="648000" lvl="1" indent="-285750" fontAlgn="t">
@@ -10012,13 +10004,8 @@
             </a:pPr>
             <a:r>
               <a:rPr lang="en-US" altLang="ko-KR" sz="2000" dirty="0" smtClean="0"/>
-              <a:t>0/1 </a:t>
-            </a:r>
-            <a:r>
-              <a:rPr lang="en-US" altLang="ko-KR" sz="2000" dirty="0" smtClean="0"/>
-              <a:t>Multiple Knapsack Problem (MKP)</a:t>
-            </a:r>
-            <a:endParaRPr lang="en-US" altLang="ko-KR" sz="2000" dirty="0" smtClean="0"/>
+              <a:t>0/1 Multiple Knapsack Problem (MKP)</a:t>
+            </a:r>
           </a:p>
           <a:p>
             <a:pPr marL="648000" lvl="1" indent="-285750" fontAlgn="t">
@@ -10142,7 +10129,7 @@
           <p:nvPr>
             <p:extLst>
               <p:ext uri="{D42A27DB-BD31-4B8C-83A1-F6EECF244321}">
-                <p14:modId xmlns:p14="http://schemas.microsoft.com/office/powerpoint/2010/main" val="1760720879"/>
+                <p14:modId xmlns:p14="http://schemas.microsoft.com/office/powerpoint/2010/main" val="2089997171"/>
               </p:ext>
             </p:extLst>
           </p:nvPr>
@@ -10161,7 +10148,7 @@
                 <a:gridCol w="576064">
                   <a:extLst>
                     <a:ext uri="{9D8B030D-6E8A-4147-A177-3AD203B41FA5}">
-                      <a16:colId xmlns:a16="http://schemas.microsoft.com/office/drawing/2014/main" val="1667308519"/>
+                      <a16:colId xmlns:a16="http://schemas.microsoft.com/office/drawing/2014/main" xmlns="" val="1667308519"/>
                     </a:ext>
                   </a:extLst>
                 </a:gridCol>
@@ -10307,10 +10294,7 @@
                       <a:r>
                         <a:rPr lang="en-US" altLang="ko-KR" sz="1100" kern="100" spc="-5" dirty="0" smtClean="0">
                           <a:solidFill>
-                            <a:schemeClr val="bg2">
-                              <a:lumMod val="60000"/>
-                              <a:lumOff val="40000"/>
-                            </a:schemeClr>
+                            <a:schemeClr val="tx1"/>
                           </a:solidFill>
                           <a:effectLst/>
                         </a:rPr>
@@ -10480,7 +10464,7 @@
                 </a:tc>
                 <a:extLst>
                   <a:ext uri="{0D108BD9-81ED-4DB2-BD59-A6C34878D82A}">
-                    <a16:rowId xmlns:a16="http://schemas.microsoft.com/office/drawing/2014/main" val="242701956"/>
+                    <a16:rowId xmlns:a16="http://schemas.microsoft.com/office/drawing/2014/main" xmlns="" val="242701956"/>
                   </a:ext>
                 </a:extLst>
               </a:tr>
@@ -10517,7 +10501,7 @@
                 </a:tc>
                 <a:extLst>
                   <a:ext uri="{0D108BD9-81ED-4DB2-BD59-A6C34878D82A}">
-                    <a16:rowId xmlns:a16="http://schemas.microsoft.com/office/drawing/2014/main" val="3466102145"/>
+                    <a16:rowId xmlns:a16="http://schemas.microsoft.com/office/drawing/2014/main" xmlns="" val="3466102145"/>
                   </a:ext>
                 </a:extLst>
               </a:tr>
@@ -10809,7 +10793,7 @@
               <p:nvPr>
                 <p:extLst>
                   <p:ext uri="{D42A27DB-BD31-4B8C-83A1-F6EECF244321}">
-                    <p14:modId xmlns:p14="http://schemas.microsoft.com/office/powerpoint/2010/main" val="200232904"/>
+                    <p14:modId xmlns:p14="http://schemas.microsoft.com/office/powerpoint/2010/main" val="1286538813"/>
                   </p:ext>
                 </p:extLst>
               </p:nvPr>
@@ -10828,7 +10812,7 @@
                     <a:gridCol w="4375789">
                       <a:extLst>
                         <a:ext uri="{9D8B030D-6E8A-4147-A177-3AD203B41FA5}">
-                          <a16:colId xmlns:a16="http://schemas.microsoft.com/office/drawing/2014/main" val="1667308519"/>
+                          <a16:colId xmlns:a16="http://schemas.microsoft.com/office/drawing/2014/main" xmlns="" val="1667308519"/>
                         </a:ext>
                       </a:extLst>
                     </a:gridCol>
@@ -10863,7 +10847,7 @@
                                         </a:schemeClr>
                                       </a:solidFill>
                                       <a:effectLst/>
-                                      <a:latin typeface="Cambria Math" panose="02040503050406030204" pitchFamily="18" charset="0"/>
+                                      <a:latin typeface="Cambria Math"/>
                                     </a:rPr>
                                   </m:ctrlPr>
                                 </m:sSubSupPr>
@@ -10989,7 +10973,7 @@
                                         </a:schemeClr>
                                       </a:solidFill>
                                       <a:effectLst/>
-                                      <a:latin typeface="Cambria Math" panose="02040503050406030204" pitchFamily="18" charset="0"/>
+                                      <a:latin typeface="Cambria Math"/>
                                     </a:rPr>
                                   </m:ctrlPr>
                                 </m:sSubPr>
@@ -11264,7 +11248,7 @@
                                         <a:schemeClr val="bg2"/>
                                       </a:solidFill>
                                       <a:effectLst/>
-                                      <a:latin typeface="Cambria Math" panose="02040503050406030204" pitchFamily="18" charset="0"/>
+                                      <a:latin typeface="Cambria Math"/>
                                     </a:rPr>
                                   </m:ctrlPr>
                                 </m:naryPr>
@@ -11343,7 +11327,7 @@
                                             <a:schemeClr val="bg2"/>
                                           </a:solidFill>
                                           <a:effectLst/>
-                                          <a:latin typeface="Cambria Math" panose="02040503050406030204" pitchFamily="18" charset="0"/>
+                                          <a:latin typeface="Cambria Math"/>
                                         </a:rPr>
                                       </m:ctrlPr>
                                     </m:naryPr>
@@ -11420,7 +11404,7 @@
                                                 <a:schemeClr val="bg2"/>
                                               </a:solidFill>
                                               <a:effectLst/>
-                                              <a:latin typeface="Cambria Math" panose="02040503050406030204" pitchFamily="18" charset="0"/>
+                                              <a:latin typeface="Cambria Math"/>
                                             </a:rPr>
                                           </m:ctrlPr>
                                         </m:sSubPr>
@@ -11517,7 +11501,7 @@
                                                 <a:schemeClr val="bg2"/>
                                               </a:solidFill>
                                               <a:effectLst/>
-                                              <a:latin typeface="Cambria Math" panose="02040503050406030204" pitchFamily="18" charset="0"/>
+                                              <a:latin typeface="Cambria Math"/>
                                             </a:rPr>
                                           </m:ctrlPr>
                                         </m:dPr>
@@ -11530,7 +11514,7 @@
                                                     <a:schemeClr val="bg2"/>
                                                   </a:solidFill>
                                                   <a:effectLst/>
-                                                  <a:latin typeface="Cambria Math" panose="02040503050406030204" pitchFamily="18" charset="0"/>
+                                                  <a:latin typeface="Cambria Math"/>
                                                 </a:rPr>
                                               </m:ctrlPr>
                                             </m:sSubSupPr>
@@ -11601,7 +11585,7 @@
                                                 <a:schemeClr val="bg2"/>
                                               </a:solidFill>
                                               <a:effectLst/>
-                                              <a:latin typeface="Cambria Math" panose="02040503050406030204" pitchFamily="18" charset="0"/>
+                                              <a:latin typeface="Cambria Math"/>
                                             </a:rPr>
                                           </m:ctrlPr>
                                         </m:dPr>
@@ -11614,7 +11598,7 @@
                                                     <a:schemeClr val="bg2"/>
                                                   </a:solidFill>
                                                   <a:effectLst/>
-                                                  <a:latin typeface="Cambria Math" panose="02040503050406030204" pitchFamily="18" charset="0"/>
+                                                  <a:latin typeface="Cambria Math"/>
                                                 </a:rPr>
                                               </m:ctrlPr>
                                             </m:sSubSupPr>
@@ -11744,12 +11728,9 @@
                           <a14:m>
                             <m:oMath xmlns:m="http://schemas.openxmlformats.org/officeDocument/2006/math">
                               <m:r>
-                                <a:rPr lang="en-US" sz="1200" kern="0">
+                                <a:rPr lang="en-US" sz="1200" kern="0" smtClean="0">
                                   <a:solidFill>
-                                    <a:schemeClr val="bg2">
-                                      <a:lumMod val="60000"/>
-                                      <a:lumOff val="40000"/>
-                                    </a:schemeClr>
+                                    <a:schemeClr val="tx1"/>
                                   </a:solidFill>
                                   <a:effectLst/>
                                   <a:latin typeface="Cambria Math"/>
@@ -11761,13 +11742,10 @@
                                   <m:ctrlPr>
                                     <a:rPr lang="ko-KR" sz="1200" i="1" kern="0">
                                       <a:solidFill>
-                                        <a:schemeClr val="bg2">
-                                          <a:lumMod val="60000"/>
-                                          <a:lumOff val="40000"/>
-                                        </a:schemeClr>
+                                        <a:schemeClr val="tx1"/>
                                       </a:solidFill>
                                       <a:effectLst/>
-                                      <a:latin typeface="Cambria Math" panose="02040503050406030204" pitchFamily="18" charset="0"/>
+                                      <a:latin typeface="Cambria Math"/>
                                     </a:rPr>
                                   </m:ctrlPr>
                                 </m:dPr>
@@ -11777,13 +11755,10 @@
                                       <m:ctrlPr>
                                         <a:rPr lang="ko-KR" sz="1200" i="1" kern="0">
                                           <a:solidFill>
-                                            <a:schemeClr val="bg2">
-                                              <a:lumMod val="60000"/>
-                                              <a:lumOff val="40000"/>
-                                            </a:schemeClr>
+                                            <a:schemeClr val="tx1"/>
                                           </a:solidFill>
                                           <a:effectLst/>
-                                          <a:latin typeface="Cambria Math" panose="02040503050406030204" pitchFamily="18" charset="0"/>
+                                          <a:latin typeface="Cambria Math"/>
                                         </a:rPr>
                                       </m:ctrlPr>
                                     </m:sSubSupPr>
@@ -11794,13 +11769,10 @@
                                           <m:ctrlPr>
                                             <a:rPr lang="ko-KR" sz="1200" i="1" kern="0">
                                               <a:solidFill>
-                                                <a:schemeClr val="bg2">
-                                                  <a:lumMod val="60000"/>
-                                                  <a:lumOff val="40000"/>
-                                                </a:schemeClr>
+                                                <a:schemeClr val="tx1"/>
                                               </a:solidFill>
                                               <a:effectLst/>
-                                              <a:latin typeface="Cambria Math" panose="02040503050406030204" pitchFamily="18" charset="0"/>
+                                              <a:latin typeface="Cambria Math"/>
                                             </a:rPr>
                                           </m:ctrlPr>
                                         </m:accPr>
@@ -11808,10 +11780,7 @@
                                           <m:r>
                                             <a:rPr lang="en-US" sz="1200" kern="0">
                                               <a:solidFill>
-                                                <a:schemeClr val="bg2">
-                                                  <a:lumMod val="60000"/>
-                                                  <a:lumOff val="40000"/>
-                                                </a:schemeClr>
+                                                <a:schemeClr val="tx1"/>
                                               </a:solidFill>
                                               <a:effectLst/>
                                               <a:latin typeface="Cambria Math"/>
@@ -11825,10 +11794,7 @@
                                       <m:r>
                                         <a:rPr lang="en-US" sz="1200" kern="0">
                                           <a:solidFill>
-                                            <a:schemeClr val="bg2">
-                                              <a:lumMod val="60000"/>
-                                              <a:lumOff val="40000"/>
-                                            </a:schemeClr>
+                                            <a:schemeClr val="tx1"/>
                                           </a:solidFill>
                                           <a:effectLst/>
                                           <a:latin typeface="Cambria Math"/>
@@ -11840,10 +11806,7 @@
                                       <m:r>
                                         <a:rPr lang="en-US" sz="1200" kern="0">
                                           <a:solidFill>
-                                            <a:schemeClr val="bg2">
-                                              <a:lumMod val="60000"/>
-                                              <a:lumOff val="40000"/>
-                                            </a:schemeClr>
+                                            <a:schemeClr val="tx1"/>
                                           </a:solidFill>
                                           <a:effectLst/>
                                           <a:latin typeface="Cambria Math"/>
@@ -11857,10 +11820,7 @@
                               <m:r>
                                 <a:rPr lang="en-US" sz="1200" kern="0">
                                   <a:solidFill>
-                                    <a:schemeClr val="bg2">
-                                      <a:lumMod val="60000"/>
-                                      <a:lumOff val="40000"/>
-                                    </a:schemeClr>
+                                    <a:schemeClr val="tx1"/>
                                   </a:solidFill>
                                   <a:effectLst/>
                                   <a:latin typeface="Cambria Math"/>
@@ -11870,10 +11830,7 @@
                               <m:r>
                                 <a:rPr lang="en-US" sz="1200" kern="0">
                                   <a:solidFill>
-                                    <a:schemeClr val="bg2">
-                                      <a:lumMod val="60000"/>
-                                      <a:lumOff val="40000"/>
-                                    </a:schemeClr>
+                                    <a:schemeClr val="tx1"/>
                                   </a:solidFill>
                                   <a:effectLst/>
                                   <a:latin typeface="Cambria Math"/>
@@ -11883,10 +11840,7 @@
                               <m:r>
                                 <a:rPr lang="en-US" sz="1200" kern="0">
                                   <a:solidFill>
-                                    <a:schemeClr val="bg2">
-                                      <a:lumMod val="60000"/>
-                                      <a:lumOff val="40000"/>
-                                    </a:schemeClr>
+                                    <a:schemeClr val="tx1"/>
                                   </a:solidFill>
                                   <a:effectLst/>
                                   <a:latin typeface="Cambria Math"/>
@@ -11898,13 +11852,10 @@
                                   <m:ctrlPr>
                                     <a:rPr lang="ko-KR" sz="1200" i="1" kern="0">
                                       <a:solidFill>
-                                        <a:schemeClr val="bg2">
-                                          <a:lumMod val="60000"/>
-                                          <a:lumOff val="40000"/>
-                                        </a:schemeClr>
+                                        <a:schemeClr val="tx1"/>
                                       </a:solidFill>
                                       <a:effectLst/>
-                                      <a:latin typeface="Cambria Math" panose="02040503050406030204" pitchFamily="18" charset="0"/>
+                                      <a:latin typeface="Cambria Math"/>
                                     </a:rPr>
                                   </m:ctrlPr>
                                 </m:sSubPr>
@@ -11912,10 +11863,7 @@
                                   <m:r>
                                     <a:rPr lang="en-US" sz="1200" kern="0">
                                       <a:solidFill>
-                                        <a:schemeClr val="bg2">
-                                          <a:lumMod val="60000"/>
-                                          <a:lumOff val="40000"/>
-                                        </a:schemeClr>
+                                        <a:schemeClr val="tx1"/>
                                       </a:solidFill>
                                       <a:effectLst/>
                                       <a:latin typeface="Cambria Math"/>
@@ -11927,10 +11875,7 @@
                                   <m:r>
                                     <a:rPr lang="en-US" sz="1200" kern="0">
                                       <a:solidFill>
-                                        <a:schemeClr val="bg2">
-                                          <a:lumMod val="60000"/>
-                                          <a:lumOff val="40000"/>
-                                        </a:schemeClr>
+                                        <a:schemeClr val="tx1"/>
                                       </a:solidFill>
                                       <a:effectLst/>
                                       <a:latin typeface="Cambria Math"/>
@@ -11940,10 +11885,7 @@
                                   <m:r>
                                     <a:rPr lang="en-US" sz="1200" kern="0">
                                       <a:solidFill>
-                                        <a:schemeClr val="bg2">
-                                          <a:lumMod val="60000"/>
-                                          <a:lumOff val="40000"/>
-                                        </a:schemeClr>
+                                        <a:schemeClr val="tx1"/>
                                       </a:solidFill>
                                       <a:effectLst/>
                                       <a:latin typeface="Cambria Math"/>
@@ -11953,10 +11895,7 @@
                                   <m:r>
                                     <a:rPr lang="en-US" sz="1200" kern="0">
                                       <a:solidFill>
-                                        <a:schemeClr val="bg2">
-                                          <a:lumMod val="60000"/>
-                                          <a:lumOff val="40000"/>
-                                        </a:schemeClr>
+                                        <a:schemeClr val="tx1"/>
                                       </a:solidFill>
                                       <a:effectLst/>
                                       <a:latin typeface="Cambria Math"/>
@@ -11968,10 +11907,7 @@
                               <m:r>
                                 <a:rPr lang="en-US" sz="1200" kern="0">
                                   <a:solidFill>
-                                    <a:schemeClr val="bg2">
-                                      <a:lumMod val="60000"/>
-                                      <a:lumOff val="40000"/>
-                                    </a:schemeClr>
+                                    <a:schemeClr val="tx1"/>
                                   </a:solidFill>
                                   <a:effectLst/>
                                   <a:latin typeface="Cambria Math"/>
@@ -11983,13 +11919,10 @@
                                   <m:ctrlPr>
                                     <a:rPr lang="ko-KR" sz="1200" i="1" kern="0">
                                       <a:solidFill>
-                                        <a:schemeClr val="bg2">
-                                          <a:lumMod val="60000"/>
-                                          <a:lumOff val="40000"/>
-                                        </a:schemeClr>
+                                        <a:schemeClr val="tx1"/>
                                       </a:solidFill>
                                       <a:effectLst/>
-                                      <a:latin typeface="Cambria Math" panose="02040503050406030204" pitchFamily="18" charset="0"/>
+                                      <a:latin typeface="Cambria Math"/>
                                     </a:rPr>
                                   </m:ctrlPr>
                                 </m:sSubSupPr>
@@ -11997,10 +11930,7 @@
                                   <m:r>
                                     <a:rPr lang="en-US" sz="1200" kern="0">
                                       <a:solidFill>
-                                        <a:schemeClr val="bg2">
-                                          <a:lumMod val="60000"/>
-                                          <a:lumOff val="40000"/>
-                                        </a:schemeClr>
+                                        <a:schemeClr val="tx1"/>
                                       </a:solidFill>
                                       <a:effectLst/>
                                       <a:latin typeface="Cambria Math"/>
@@ -12012,10 +11942,7 @@
                                   <m:r>
                                     <a:rPr lang="en-US" sz="1200" kern="0">
                                       <a:solidFill>
-                                        <a:schemeClr val="bg2">
-                                          <a:lumMod val="60000"/>
-                                          <a:lumOff val="40000"/>
-                                        </a:schemeClr>
+                                        <a:schemeClr val="tx1"/>
                                       </a:solidFill>
                                       <a:effectLst/>
                                       <a:latin typeface="Cambria Math"/>
@@ -12025,10 +11952,7 @@
                                   <m:r>
                                     <a:rPr lang="en-US" sz="1200" kern="0">
                                       <a:solidFill>
-                                        <a:schemeClr val="bg2">
-                                          <a:lumMod val="60000"/>
-                                          <a:lumOff val="40000"/>
-                                        </a:schemeClr>
+                                        <a:schemeClr val="tx1"/>
                                       </a:solidFill>
                                       <a:effectLst/>
                                       <a:latin typeface="Cambria Math"/>
@@ -12038,10 +11962,7 @@
                                   <m:r>
                                     <a:rPr lang="en-US" sz="1200" kern="0">
                                       <a:solidFill>
-                                        <a:schemeClr val="bg2">
-                                          <a:lumMod val="60000"/>
-                                          <a:lumOff val="40000"/>
-                                        </a:schemeClr>
+                                        <a:schemeClr val="tx1"/>
                                       </a:solidFill>
                                       <a:effectLst/>
                                       <a:latin typeface="Cambria Math"/>
@@ -12053,10 +11974,7 @@
                                   <m:r>
                                     <a:rPr lang="en-US" sz="1200" kern="0">
                                       <a:solidFill>
-                                        <a:schemeClr val="bg2">
-                                          <a:lumMod val="60000"/>
-                                          <a:lumOff val="40000"/>
-                                        </a:schemeClr>
+                                        <a:schemeClr val="tx1"/>
                                       </a:solidFill>
                                       <a:effectLst/>
                                       <a:latin typeface="Cambria Math"/>
@@ -12068,10 +11986,7 @@
                               <m:r>
                                 <a:rPr lang="en-US" sz="1200" kern="0">
                                   <a:solidFill>
-                                    <a:schemeClr val="bg2">
-                                      <a:lumMod val="60000"/>
-                                      <a:lumOff val="40000"/>
-                                    </a:schemeClr>
+                                    <a:schemeClr val="tx1"/>
                                   </a:solidFill>
                                   <a:effectLst/>
                                   <a:latin typeface="Cambria Math"/>
@@ -12083,13 +11998,10 @@
                                   <m:ctrlPr>
                                     <a:rPr lang="ko-KR" sz="1200" i="1" kern="0">
                                       <a:solidFill>
-                                        <a:schemeClr val="bg2">
-                                          <a:lumMod val="60000"/>
-                                          <a:lumOff val="40000"/>
-                                        </a:schemeClr>
+                                        <a:schemeClr val="tx1"/>
                                       </a:solidFill>
                                       <a:effectLst/>
-                                      <a:latin typeface="Cambria Math" panose="02040503050406030204" pitchFamily="18" charset="0"/>
+                                      <a:latin typeface="Cambria Math"/>
                                     </a:rPr>
                                   </m:ctrlPr>
                                 </m:sSubSupPr>
@@ -12097,10 +12009,7 @@
                                   <m:r>
                                     <a:rPr lang="en-US" sz="1200" kern="0">
                                       <a:solidFill>
-                                        <a:schemeClr val="bg2">
-                                          <a:lumMod val="60000"/>
-                                          <a:lumOff val="40000"/>
-                                        </a:schemeClr>
+                                        <a:schemeClr val="tx1"/>
                                       </a:solidFill>
                                       <a:effectLst/>
                                       <a:latin typeface="Cambria Math"/>
@@ -12112,10 +12021,7 @@
                                   <m:r>
                                     <a:rPr lang="en-US" sz="1200" kern="0">
                                       <a:solidFill>
-                                        <a:schemeClr val="bg2">
-                                          <a:lumMod val="60000"/>
-                                          <a:lumOff val="40000"/>
-                                        </a:schemeClr>
+                                        <a:schemeClr val="tx1"/>
                                       </a:solidFill>
                                       <a:effectLst/>
                                       <a:latin typeface="Cambria Math"/>
@@ -12127,10 +12033,7 @@
                                   <m:r>
                                     <a:rPr lang="en-US" sz="1200" kern="0">
                                       <a:solidFill>
-                                        <a:schemeClr val="bg2">
-                                          <a:lumMod val="60000"/>
-                                          <a:lumOff val="40000"/>
-                                        </a:schemeClr>
+                                        <a:schemeClr val="tx1"/>
                                       </a:solidFill>
                                       <a:effectLst/>
                                       <a:latin typeface="Cambria Math"/>
@@ -12142,10 +12045,7 @@
                               <m:r>
                                 <a:rPr lang="en-US" sz="1200" kern="0">
                                   <a:solidFill>
-                                    <a:schemeClr val="bg2">
-                                      <a:lumMod val="60000"/>
-                                      <a:lumOff val="40000"/>
-                                    </a:schemeClr>
+                                    <a:schemeClr val="tx1"/>
                                   </a:solidFill>
                                   <a:effectLst/>
                                   <a:latin typeface="Cambria Math"/>
@@ -12155,10 +12055,7 @@
                               <m:r>
                                 <a:rPr lang="en-US" sz="1200" kern="0">
                                   <a:solidFill>
-                                    <a:schemeClr val="bg2">
-                                      <a:lumMod val="60000"/>
-                                      <a:lumOff val="40000"/>
-                                    </a:schemeClr>
+                                    <a:schemeClr val="tx1"/>
                                   </a:solidFill>
                                   <a:effectLst/>
                                   <a:latin typeface="Cambria Math"/>
@@ -12170,13 +12067,10 @@
                                   <m:ctrlPr>
                                     <a:rPr lang="ko-KR" sz="1200" i="1" kern="0">
                                       <a:solidFill>
-                                        <a:schemeClr val="bg2">
-                                          <a:lumMod val="60000"/>
-                                          <a:lumOff val="40000"/>
-                                        </a:schemeClr>
+                                        <a:schemeClr val="tx1"/>
                                       </a:solidFill>
                                       <a:effectLst/>
-                                      <a:latin typeface="Cambria Math" panose="02040503050406030204" pitchFamily="18" charset="0"/>
+                                      <a:latin typeface="Cambria Math"/>
                                     </a:rPr>
                                   </m:ctrlPr>
                                 </m:dPr>
@@ -12186,13 +12080,10 @@
                                       <m:ctrlPr>
                                         <a:rPr lang="ko-KR" sz="1200" i="1" kern="0">
                                           <a:solidFill>
-                                            <a:schemeClr val="bg2">
-                                              <a:lumMod val="60000"/>
-                                              <a:lumOff val="40000"/>
-                                            </a:schemeClr>
+                                            <a:schemeClr val="tx1"/>
                                           </a:solidFill>
                                           <a:effectLst/>
-                                          <a:latin typeface="Cambria Math" panose="02040503050406030204" pitchFamily="18" charset="0"/>
+                                          <a:latin typeface="Cambria Math"/>
                                         </a:rPr>
                                       </m:ctrlPr>
                                     </m:sSubSupPr>
@@ -12203,13 +12094,10 @@
                                           <m:ctrlPr>
                                             <a:rPr lang="ko-KR" sz="1200" i="1" kern="0">
                                               <a:solidFill>
-                                                <a:schemeClr val="bg2">
-                                                  <a:lumMod val="60000"/>
-                                                  <a:lumOff val="40000"/>
-                                                </a:schemeClr>
+                                                <a:schemeClr val="tx1"/>
                                               </a:solidFill>
                                               <a:effectLst/>
-                                              <a:latin typeface="Cambria Math" panose="02040503050406030204" pitchFamily="18" charset="0"/>
+                                              <a:latin typeface="Cambria Math"/>
                                             </a:rPr>
                                           </m:ctrlPr>
                                         </m:accPr>
@@ -12217,10 +12105,7 @@
                                           <m:r>
                                             <a:rPr lang="en-US" sz="1200" kern="0">
                                               <a:solidFill>
-                                                <a:schemeClr val="bg2">
-                                                  <a:lumMod val="60000"/>
-                                                  <a:lumOff val="40000"/>
-                                                </a:schemeClr>
+                                                <a:schemeClr val="tx1"/>
                                               </a:solidFill>
                                               <a:effectLst/>
                                               <a:latin typeface="Cambria Math"/>
@@ -12234,10 +12119,7 @@
                                       <m:r>
                                         <a:rPr lang="en-US" sz="1200" kern="0">
                                           <a:solidFill>
-                                            <a:schemeClr val="bg2">
-                                              <a:lumMod val="60000"/>
-                                              <a:lumOff val="40000"/>
-                                            </a:schemeClr>
+                                            <a:schemeClr val="tx1"/>
                                           </a:solidFill>
                                           <a:effectLst/>
                                           <a:latin typeface="Cambria Math"/>
@@ -12249,10 +12131,7 @@
                                       <m:r>
                                         <a:rPr lang="en-US" sz="1200" kern="0">
                                           <a:solidFill>
-                                            <a:schemeClr val="bg2">
-                                              <a:lumMod val="60000"/>
-                                              <a:lumOff val="40000"/>
-                                            </a:schemeClr>
+                                            <a:schemeClr val="tx1"/>
                                           </a:solidFill>
                                           <a:effectLst/>
                                           <a:latin typeface="Cambria Math"/>
@@ -12266,10 +12145,7 @@
                               <m:r>
                                 <a:rPr lang="en-US" sz="1200" kern="0">
                                   <a:solidFill>
-                                    <a:schemeClr val="bg2">
-                                      <a:lumMod val="60000"/>
-                                      <a:lumOff val="40000"/>
-                                    </a:schemeClr>
+                                    <a:schemeClr val="tx1"/>
                                   </a:solidFill>
                                   <a:effectLst/>
                                   <a:latin typeface="Cambria Math"/>
@@ -12279,10 +12155,7 @@
                               <m:r>
                                 <a:rPr lang="en-US" sz="1200" kern="0">
                                   <a:solidFill>
-                                    <a:schemeClr val="bg2">
-                                      <a:lumMod val="60000"/>
-                                      <a:lumOff val="40000"/>
-                                    </a:schemeClr>
+                                    <a:schemeClr val="tx1"/>
                                   </a:solidFill>
                                   <a:effectLst/>
                                   <a:latin typeface="Cambria Math"/>
@@ -12292,10 +12165,7 @@
                               <m:r>
                                 <a:rPr lang="en-US" sz="1200" kern="0">
                                   <a:solidFill>
-                                    <a:schemeClr val="bg2">
-                                      <a:lumMod val="60000"/>
-                                      <a:lumOff val="40000"/>
-                                    </a:schemeClr>
+                                    <a:schemeClr val="tx1"/>
                                   </a:solidFill>
                                   <a:effectLst/>
                                   <a:latin typeface="Cambria Math"/>
@@ -12305,10 +12175,7 @@
                               <m:r>
                                 <a:rPr lang="en-US" sz="1200" kern="0">
                                   <a:solidFill>
-                                    <a:schemeClr val="bg2">
-                                      <a:lumMod val="60000"/>
-                                      <a:lumOff val="40000"/>
-                                    </a:schemeClr>
+                                    <a:schemeClr val="tx1"/>
                                   </a:solidFill>
                                   <a:effectLst/>
                                   <a:latin typeface="Cambria Math"/>
@@ -12318,10 +12185,7 @@
                               <m:r>
                                 <a:rPr lang="en-US" sz="1200" kern="0">
                                   <a:solidFill>
-                                    <a:schemeClr val="bg2">
-                                      <a:lumMod val="60000"/>
-                                      <a:lumOff val="40000"/>
-                                    </a:schemeClr>
+                                    <a:schemeClr val="tx1"/>
                                   </a:solidFill>
                                   <a:effectLst/>
                                   <a:latin typeface="Cambria Math"/>
@@ -12331,10 +12195,7 @@
                               <m:r>
                                 <a:rPr lang="en-US" sz="1200" kern="0">
                                   <a:solidFill>
-                                    <a:schemeClr val="bg2">
-                                      <a:lumMod val="60000"/>
-                                      <a:lumOff val="40000"/>
-                                    </a:schemeClr>
+                                    <a:schemeClr val="tx1"/>
                                   </a:solidFill>
                                   <a:effectLst/>
                                   <a:latin typeface="Cambria Math"/>
@@ -12345,10 +12206,7 @@
                           </a14:m>
                           <a:endParaRPr lang="ko-KR" sz="1000" kern="100" dirty="0">
                             <a:solidFill>
-                              <a:schemeClr val="bg2">
-                                <a:lumMod val="60000"/>
-                                <a:lumOff val="40000"/>
-                              </a:schemeClr>
+                              <a:schemeClr val="tx1"/>
                             </a:solidFill>
                             <a:effectLst/>
                           </a:endParaRPr>
@@ -12376,7 +12234,7 @@
                                           <a:srgbClr val="FF0000"/>
                                         </a:solidFill>
                                         <a:effectLst/>
-                                        <a:latin typeface="Cambria Math" panose="02040503050406030204" pitchFamily="18" charset="0"/>
+                                        <a:latin typeface="Cambria Math"/>
                                       </a:rPr>
                                     </m:ctrlPr>
                                   </m:sSubPr>
@@ -12443,7 +12301,7 @@
                                           <a:srgbClr val="FF0000"/>
                                         </a:solidFill>
                                         <a:effectLst/>
-                                        <a:latin typeface="Cambria Math" panose="02040503050406030204" pitchFamily="18" charset="0"/>
+                                        <a:latin typeface="Cambria Math"/>
                                       </a:rPr>
                                     </m:ctrlPr>
                                   </m:sSubSupPr>
@@ -12522,7 +12380,7 @@
                                           <a:srgbClr val="FF0000"/>
                                         </a:solidFill>
                                         <a:effectLst/>
-                                        <a:latin typeface="Cambria Math" panose="02040503050406030204" pitchFamily="18" charset="0"/>
+                                        <a:latin typeface="Cambria Math"/>
                                       </a:rPr>
                                     </m:ctrlPr>
                                   </m:sSubSupPr>
@@ -12716,7 +12574,7 @@
                                           <a:schemeClr val="tx1"/>
                                         </a:solidFill>
                                         <a:effectLst/>
-                                        <a:latin typeface="Cambria Math" panose="02040503050406030204" pitchFamily="18" charset="0"/>
+                                        <a:latin typeface="Cambria Math"/>
                                       </a:rPr>
                                     </m:ctrlPr>
                                   </m:sSubSupPr>
@@ -12775,7 +12633,7 @@
                                           <a:schemeClr val="tx1"/>
                                         </a:solidFill>
                                         <a:effectLst/>
-                                        <a:latin typeface="Cambria Math" panose="02040503050406030204" pitchFamily="18" charset="0"/>
+                                        <a:latin typeface="Cambria Math"/>
                                       </a:rPr>
                                     </m:ctrlPr>
                                   </m:sSubSupPr>
@@ -12854,7 +12712,7 @@
                                           <a:schemeClr val="tx1"/>
                                         </a:solidFill>
                                         <a:effectLst/>
-                                        <a:latin typeface="Cambria Math" panose="02040503050406030204" pitchFamily="18" charset="0"/>
+                                        <a:latin typeface="Cambria Math"/>
                                       </a:rPr>
                                     </m:ctrlPr>
                                   </m:sSubSupPr>
@@ -12943,7 +12801,7 @@
                                           <a:schemeClr val="tx1"/>
                                         </a:solidFill>
                                         <a:effectLst/>
-                                        <a:latin typeface="Cambria Math" panose="02040503050406030204" pitchFamily="18" charset="0"/>
+                                        <a:latin typeface="Cambria Math"/>
                                       </a:rPr>
                                     </m:ctrlPr>
                                   </m:dPr>
@@ -12956,7 +12814,7 @@
                                               <a:schemeClr val="tx1"/>
                                             </a:solidFill>
                                             <a:effectLst/>
-                                            <a:latin typeface="Cambria Math" panose="02040503050406030204" pitchFamily="18" charset="0"/>
+                                            <a:latin typeface="Cambria Math"/>
                                           </a:rPr>
                                         </m:ctrlPr>
                                       </m:sSubPr>
@@ -13109,7 +12967,7 @@
                                         </a:schemeClr>
                                       </a:solidFill>
                                       <a:effectLst/>
-                                      <a:latin typeface="Cambria Math" panose="02040503050406030204" pitchFamily="18" charset="0"/>
+                                      <a:latin typeface="Cambria Math"/>
                                     </a:rPr>
                                   </m:ctrlPr>
                                 </m:naryPr>
@@ -13194,7 +13052,7 @@
                                             </a:schemeClr>
                                           </a:solidFill>
                                           <a:effectLst/>
-                                          <a:latin typeface="Cambria Math" panose="02040503050406030204" pitchFamily="18" charset="0"/>
+                                          <a:latin typeface="Cambria Math"/>
                                         </a:rPr>
                                       </m:ctrlPr>
                                     </m:fPr>
@@ -13210,7 +13068,7 @@
                                                 </a:schemeClr>
                                               </a:solidFill>
                                               <a:effectLst/>
-                                              <a:latin typeface="Cambria Math" panose="02040503050406030204" pitchFamily="18" charset="0"/>
+                                              <a:latin typeface="Cambria Math"/>
                                             </a:rPr>
                                           </m:ctrlPr>
                                         </m:sSubPr>
@@ -13295,7 +13153,7 @@
                                                 </a:schemeClr>
                                               </a:solidFill>
                                               <a:effectLst/>
-                                              <a:latin typeface="Cambria Math" panose="02040503050406030204" pitchFamily="18" charset="0"/>
+                                              <a:latin typeface="Cambria Math"/>
                                             </a:rPr>
                                           </m:ctrlPr>
                                         </m:sSubSupPr>
@@ -13395,7 +13253,7 @@
                                                 </a:schemeClr>
                                               </a:solidFill>
                                               <a:effectLst/>
-                                              <a:latin typeface="Cambria Math" panose="02040503050406030204" pitchFamily="18" charset="0"/>
+                                              <a:latin typeface="Cambria Math"/>
                                             </a:rPr>
                                           </m:ctrlPr>
                                         </m:sSubSupPr>
@@ -13458,7 +13316,7 @@
                                                 </a:schemeClr>
                                               </a:solidFill>
                                               <a:effectLst/>
-                                              <a:latin typeface="Cambria Math" panose="02040503050406030204" pitchFamily="18" charset="0"/>
+                                              <a:latin typeface="Cambria Math"/>
                                             </a:rPr>
                                           </m:ctrlPr>
                                         </m:sSubSupPr>
@@ -13560,7 +13418,7 @@
                                             </a:schemeClr>
                                           </a:solidFill>
                                           <a:effectLst/>
-                                          <a:latin typeface="Cambria Math" panose="02040503050406030204" pitchFamily="18" charset="0"/>
+                                          <a:latin typeface="Cambria Math"/>
                                         </a:rPr>
                                       </m:ctrlPr>
                                     </m:sSubPr>
@@ -13699,7 +13557,7 @@
                     </a:tc>
                     <a:extLst>
                       <a:ext uri="{0D108BD9-81ED-4DB2-BD59-A6C34878D82A}">
-                        <a16:rowId xmlns:a16="http://schemas.microsoft.com/office/drawing/2014/main" val="242701956"/>
+                        <a16:rowId xmlns:a16="http://schemas.microsoft.com/office/drawing/2014/main" xmlns="" val="242701956"/>
                       </a:ext>
                     </a:extLst>
                   </a:tr>
@@ -13718,7 +13576,7 @@
               <p:nvPr>
                 <p:extLst>
                   <p:ext uri="{D42A27DB-BD31-4B8C-83A1-F6EECF244321}">
-                    <p14:modId xmlns:p14="http://schemas.microsoft.com/office/powerpoint/2010/main" val="200232904"/>
+                    <p14:modId xmlns:p14="http://schemas.microsoft.com/office/powerpoint/2010/main" val="1286538813"/>
                   </p:ext>
                 </p:extLst>
               </p:nvPr>
@@ -13737,7 +13595,7 @@
                     <a:gridCol w="4375789">
                       <a:extLst>
                         <a:ext uri="{9D8B030D-6E8A-4147-A177-3AD203B41FA5}">
-                          <a16:colId xmlns:a16="http://schemas.microsoft.com/office/drawing/2014/main" val="1667308519"/>
+                          <a16:colId xmlns:a16="http://schemas.microsoft.com/office/drawing/2014/main" xmlns:a14="http://schemas.microsoft.com/office/drawing/2010/main" xmlns="" val="1667308519"/>
                         </a:ext>
                       </a:extLst>
                     </a:gridCol>
@@ -13752,17 +13610,17 @@
                         </a:p>
                       </a:txBody>
                       <a:tcPr marL="68580" marR="68580" marT="0" marB="0">
-                        <a:blipFill>
+                        <a:blipFill rotWithShape="1">
                           <a:blip r:embed="rId3"/>
                           <a:stretch>
-                            <a:fillRect l="-279" t="-2625" r="-557" b="-955"/>
+                            <a:fillRect t="-2878" b="-240"/>
                           </a:stretch>
                         </a:blipFill>
                       </a:tcPr>
                     </a:tc>
                     <a:extLst>
                       <a:ext uri="{0D108BD9-81ED-4DB2-BD59-A6C34878D82A}">
-                        <a16:rowId xmlns:a16="http://schemas.microsoft.com/office/drawing/2014/main" val="242701956"/>
+                        <a16:rowId xmlns:a16="http://schemas.microsoft.com/office/drawing/2014/main" xmlns:a14="http://schemas.microsoft.com/office/drawing/2010/main" xmlns="" val="242701956"/>
                       </a:ext>
                     </a:extLst>
                   </a:tr>
@@ -13781,14 +13639,14 @@
           <p:nvPr>
             <p:extLst>
               <p:ext uri="{D42A27DB-BD31-4B8C-83A1-F6EECF244321}">
-                <p14:modId xmlns:p14="http://schemas.microsoft.com/office/powerpoint/2010/main" val="1477330857"/>
+                <p14:modId xmlns:p14="http://schemas.microsoft.com/office/powerpoint/2010/main" val="1492900434"/>
               </p:ext>
             </p:extLst>
           </p:nvPr>
         </p:nvGraphicFramePr>
         <p:xfrm>
           <a:off x="1163032" y="1438084"/>
-          <a:ext cx="1536760" cy="2169414"/>
+          <a:ext cx="1536760" cy="2141157"/>
         </p:xfrm>
         <a:graphic>
           <a:graphicData uri="http://schemas.openxmlformats.org/drawingml/2006/table">
@@ -13800,7 +13658,7 @@
                 <a:gridCol w="1536760">
                   <a:extLst>
                     <a:ext uri="{9D8B030D-6E8A-4147-A177-3AD203B41FA5}">
-                      <a16:colId xmlns:a16="http://schemas.microsoft.com/office/drawing/2014/main" val="1667308519"/>
+                      <a16:colId xmlns:a16="http://schemas.microsoft.com/office/drawing/2014/main" xmlns="" val="1667308519"/>
                     </a:ext>
                   </a:extLst>
                 </a:gridCol>
@@ -13925,10 +13783,7 @@
                       <a:r>
                         <a:rPr lang="en-US" sz="1400" kern="100" dirty="0">
                           <a:solidFill>
-                            <a:schemeClr val="bg2">
-                              <a:lumMod val="60000"/>
-                              <a:lumOff val="40000"/>
-                            </a:schemeClr>
+                            <a:schemeClr val="tx1"/>
                           </a:solidFill>
                           <a:effectLst/>
                         </a:rPr>
@@ -13937,10 +13792,7 @@
                       <a:r>
                         <a:rPr lang="en-US" sz="1400" kern="100" dirty="0" smtClean="0">
                           <a:solidFill>
-                            <a:schemeClr val="bg2">
-                              <a:lumMod val="60000"/>
-                              <a:lumOff val="40000"/>
-                            </a:schemeClr>
+                            <a:schemeClr val="tx1"/>
                           </a:solidFill>
                           <a:effectLst/>
                         </a:rPr>
@@ -14092,7 +13944,7 @@
                 </a:tc>
                 <a:extLst>
                   <a:ext uri="{0D108BD9-81ED-4DB2-BD59-A6C34878D82A}">
-                    <a16:rowId xmlns:a16="http://schemas.microsoft.com/office/drawing/2014/main" val="242701956"/>
+                    <a16:rowId xmlns:a16="http://schemas.microsoft.com/office/drawing/2014/main" xmlns="" val="242701956"/>
                   </a:ext>
                 </a:extLst>
               </a:tr>
@@ -14100,8 +13952,8 @@
           </a:graphicData>
         </a:graphic>
       </p:graphicFrame>
-      <mc:AlternateContent xmlns:mc="http://schemas.openxmlformats.org/markup-compatibility/2006" xmlns:a14="http://schemas.microsoft.com/office/drawing/2010/main">
-        <mc:Choice Requires="a14">
+      <mc:AlternateContent xmlns:mc="http://schemas.openxmlformats.org/markup-compatibility/2006">
+        <mc:Choice xmlns:a14="http://schemas.microsoft.com/office/drawing/2010/main" Requires="a14">
           <p:sp>
             <p:nvSpPr>
               <p:cNvPr id="3" name="직사각형 2"/>
@@ -14111,7 +13963,7 @@
             <p:spPr>
               <a:xfrm>
                 <a:off x="-116362" y="3626336"/>
-                <a:ext cx="9008842" cy="903068"/>
+                <a:ext cx="9008842" cy="1431161"/>
               </a:xfrm>
               <a:prstGeom prst="rect">
                 <a:avLst/>
@@ -14141,7 +13993,239 @@
                     <a:ea typeface="굴림"/>
                     <a:cs typeface="Tahoma" panose="020B0604030504040204" pitchFamily="34" charset="0"/>
                   </a:rPr>
-                  <a:t>(4)</a:t>
+                  <a:t>(3)</a:t>
+                </a:r>
+                <a:r>
+                  <a:rPr lang="en-US" altLang="ko-KR" sz="1400" kern="0" dirty="0">
+                    <a:solidFill>
+                      <a:srgbClr val="000000"/>
+                    </a:solidFill>
+                    <a:latin typeface="Arial"/>
+                    <a:ea typeface="굴림"/>
+                    <a:cs typeface="Tahoma" panose="020B0604030504040204" pitchFamily="34" charset="0"/>
+                  </a:rPr>
+                  <a:t> </a:t>
+                </a:r>
+                <a:r>
+                  <a:rPr lang="ko-KR" altLang="en-US" sz="1400" kern="0" dirty="0">
+                    <a:solidFill>
+                      <a:srgbClr val="000000"/>
+                    </a:solidFill>
+                    <a:latin typeface="Arial"/>
+                    <a:ea typeface="굴림"/>
+                    <a:cs typeface="Tahoma" panose="020B0604030504040204" pitchFamily="34" charset="0"/>
+                  </a:rPr>
+                  <a:t>파일 크기 관점에서 </a:t>
+                </a:r>
+                <a:r>
+                  <a:rPr lang="en-US" altLang="ko-KR" sz="1400" kern="0" dirty="0">
+                    <a:solidFill>
+                      <a:srgbClr val="000000"/>
+                    </a:solidFill>
+                    <a:latin typeface="Arial"/>
+                    <a:ea typeface="굴림"/>
+                    <a:cs typeface="Tahoma" panose="020B0604030504040204" pitchFamily="34" charset="0"/>
+                  </a:rPr>
+                  <a:t>Buffer Underflow</a:t>
+                </a:r>
+                <a:r>
+                  <a:rPr lang="ko-KR" altLang="en-US" sz="1400" kern="0" dirty="0">
+                    <a:solidFill>
+                      <a:srgbClr val="000000"/>
+                    </a:solidFill>
+                    <a:latin typeface="Arial"/>
+                    <a:ea typeface="굴림"/>
+                    <a:cs typeface="Tahoma" panose="020B0604030504040204" pitchFamily="34" charset="0"/>
+                  </a:rPr>
+                  <a:t> 방지</a:t>
+                </a:r>
+                <a:r>
+                  <a:rPr lang="en-US" altLang="ko-KR" sz="1400" kern="0" dirty="0">
+                    <a:solidFill>
+                      <a:srgbClr val="000000"/>
+                    </a:solidFill>
+                    <a:latin typeface="Arial"/>
+                    <a:ea typeface="굴림"/>
+                    <a:cs typeface="Tahoma" panose="020B0604030504040204" pitchFamily="34" charset="0"/>
+                  </a:rPr>
+                  <a:t>: </a:t>
+                </a:r>
+              </a:p>
+              <a:p>
+                <a:pPr lvl="1" fontAlgn="t">
+                  <a:spcBef>
+                    <a:spcPct val="20000"/>
+                  </a:spcBef>
+                  <a:buClr>
+                    <a:srgbClr val="A20000"/>
+                  </a:buClr>
+                  <a:buSzPct val="100000"/>
+                </a:pPr>
+                <a:r>
+                  <a:rPr lang="ko-KR" altLang="en-US" sz="1400" b="1" kern="0" dirty="0">
+                    <a:solidFill>
+                      <a:srgbClr val="FF0000"/>
+                    </a:solidFill>
+                    <a:latin typeface="Arial"/>
+                    <a:ea typeface="굴림"/>
+                    <a:cs typeface="Tahoma" panose="020B0604030504040204" pitchFamily="34" charset="0"/>
+                  </a:rPr>
+                  <a:t>재생하고 있는 구간까지의 크기 </a:t>
+                </a:r>
+                <a:r>
+                  <a:rPr lang="en-US" altLang="ko-KR" sz="1400" b="1" kern="0" dirty="0">
+                    <a:solidFill>
+                      <a:srgbClr val="FF0000"/>
+                    </a:solidFill>
+                    <a:latin typeface="Arial"/>
+                    <a:ea typeface="굴림"/>
+                    <a:cs typeface="Tahoma" panose="020B0604030504040204" pitchFamily="34" charset="0"/>
+                  </a:rPr>
+                  <a:t>+</a:t>
+                </a:r>
+                <a:r>
+                  <a:rPr lang="ko-KR" altLang="en-US" sz="1400" b="1" kern="0" dirty="0">
+                    <a:solidFill>
+                      <a:srgbClr val="FF0000"/>
+                    </a:solidFill>
+                    <a:latin typeface="Arial"/>
+                    <a:ea typeface="굴림"/>
+                    <a:cs typeface="Tahoma" panose="020B0604030504040204" pitchFamily="34" charset="0"/>
+                  </a:rPr>
+                  <a:t> </a:t>
+                </a:r>
+                <a14:m>
+                  <m:oMath xmlns:m="http://schemas.openxmlformats.org/officeDocument/2006/math">
+                    <m:r>
+                      <a:rPr lang="en-US" altLang="ko-KR" sz="1400" b="1" i="1" kern="0">
+                        <a:solidFill>
+                          <a:srgbClr val="FF0000"/>
+                        </a:solidFill>
+                        <a:latin typeface="Cambria Math" panose="02040503050406030204" pitchFamily="18" charset="0"/>
+                      </a:rPr>
+                      <m:t>𝛉</m:t>
+                    </m:r>
+                  </m:oMath>
+                </a14:m>
+                <a:r>
+                  <a:rPr lang="en-US" altLang="ko-KR" sz="1400" b="1" kern="0" dirty="0">
+                    <a:solidFill>
+                      <a:srgbClr val="FF0000"/>
+                    </a:solidFill>
+                    <a:latin typeface="Arial"/>
+                    <a:ea typeface="굴림"/>
+                    <a:cs typeface="Tahoma" panose="020B0604030504040204" pitchFamily="34" charset="0"/>
+                  </a:rPr>
+                  <a:t> </a:t>
+                </a:r>
+                <a14:m>
+                  <m:oMath xmlns:m="http://schemas.openxmlformats.org/officeDocument/2006/math">
+                    <m:r>
+                      <a:rPr lang="en-US" altLang="ko-KR" sz="1400" b="1" kern="0">
+                        <a:solidFill>
+                          <a:srgbClr val="FF0000"/>
+                        </a:solidFill>
+                        <a:latin typeface="Cambria Math" panose="02040503050406030204" pitchFamily="18" charset="0"/>
+                      </a:rPr>
+                      <m:t>≤</m:t>
+                    </m:r>
+                  </m:oMath>
+                </a14:m>
+                <a:r>
+                  <a:rPr lang="en-US" altLang="ko-KR" sz="1400" b="1" kern="0" dirty="0">
+                    <a:solidFill>
+                      <a:srgbClr val="FF0000"/>
+                    </a:solidFill>
+                    <a:latin typeface="Arial"/>
+                    <a:ea typeface="굴림"/>
+                    <a:cs typeface="Tahoma" panose="020B0604030504040204" pitchFamily="34" charset="0"/>
+                  </a:rPr>
+                  <a:t> </a:t>
+                </a:r>
+                <a:r>
+                  <a:rPr lang="ko-KR" altLang="en-US" sz="1400" b="1" kern="0" dirty="0">
+                    <a:solidFill>
+                      <a:srgbClr val="FF0000"/>
+                    </a:solidFill>
+                    <a:latin typeface="Arial"/>
+                    <a:ea typeface="굴림"/>
+                    <a:cs typeface="Tahoma" panose="020B0604030504040204" pitchFamily="34" charset="0"/>
+                  </a:rPr>
+                  <a:t>받는 데이터의 양 </a:t>
+                </a:r>
+                <a:r>
+                  <a:rPr lang="en-US" altLang="ko-KR" sz="1400" b="1" kern="0" dirty="0">
+                    <a:solidFill>
+                      <a:srgbClr val="FF0000"/>
+                    </a:solidFill>
+                    <a:latin typeface="Arial"/>
+                    <a:ea typeface="굴림"/>
+                    <a:cs typeface="Tahoma" panose="020B0604030504040204" pitchFamily="34" charset="0"/>
+                  </a:rPr>
+                  <a:t>+ </a:t>
+                </a:r>
+                <a:r>
+                  <a:rPr lang="ko-KR" altLang="en-US" sz="1400" b="1" kern="0" dirty="0">
+                    <a:solidFill>
+                      <a:srgbClr val="FF0000"/>
+                    </a:solidFill>
+                    <a:latin typeface="Arial"/>
+                    <a:ea typeface="굴림"/>
+                    <a:cs typeface="Tahoma" panose="020B0604030504040204" pitchFamily="34" charset="0"/>
+                  </a:rPr>
+                  <a:t>버퍼에 저장된 구간까지의 크기</a:t>
+                </a:r>
+                <a:r>
+                  <a:rPr lang="en-US" altLang="ko-KR" sz="1400" kern="0" dirty="0">
+                    <a:solidFill>
+                      <a:srgbClr val="000000"/>
+                    </a:solidFill>
+                    <a:latin typeface="Arial"/>
+                    <a:ea typeface="굴림"/>
+                    <a:cs typeface="Tahoma" panose="020B0604030504040204" pitchFamily="34" charset="0"/>
+                  </a:rPr>
+                  <a:t> </a:t>
+                </a:r>
+                <a:endParaRPr lang="en-US" altLang="ko-KR" sz="1400" b="1" kern="0" dirty="0" smtClean="0">
+                  <a:solidFill>
+                    <a:srgbClr val="000000"/>
+                  </a:solidFill>
+                  <a:latin typeface="Arial"/>
+                  <a:ea typeface="굴림"/>
+                  <a:cs typeface="Tahoma" panose="020B0604030504040204" pitchFamily="34" charset="0"/>
+                </a:endParaRPr>
+              </a:p>
+              <a:p>
+                <a:pPr lvl="1" fontAlgn="t">
+                  <a:spcBef>
+                    <a:spcPct val="20000"/>
+                  </a:spcBef>
+                  <a:buClr>
+                    <a:srgbClr val="A20000"/>
+                  </a:buClr>
+                  <a:buSzPct val="100000"/>
+                </a:pPr>
+                <a:r>
+                  <a:rPr lang="en-US" altLang="ko-KR" sz="1400" b="1" kern="0" dirty="0" smtClean="0">
+                    <a:solidFill>
+                      <a:srgbClr val="000000"/>
+                    </a:solidFill>
+                    <a:latin typeface="Arial"/>
+                    <a:ea typeface="굴림"/>
+                    <a:cs typeface="Tahoma" panose="020B0604030504040204" pitchFamily="34" charset="0"/>
+                  </a:rPr>
+                  <a:t>(</a:t>
+                </a:r>
+                <a:r>
+                  <a:rPr lang="en-US" altLang="ko-KR" sz="1400" b="1" kern="0" dirty="0">
+                    <a:solidFill>
+                      <a:srgbClr val="000000"/>
+                    </a:solidFill>
+                    <a:latin typeface="Arial"/>
+                    <a:ea typeface="굴림"/>
+                    <a:cs typeface="Tahoma" panose="020B0604030504040204" pitchFamily="34" charset="0"/>
+                  </a:rPr>
+                  <a:t>4)</a:t>
                 </a:r>
                 <a:r>
                   <a:rPr lang="en-US" altLang="ko-KR" sz="1400" kern="0" dirty="0">
@@ -14185,7 +14269,7 @@
                             <a:solidFill>
                               <a:srgbClr val="FF0000"/>
                             </a:solidFill>
-                            <a:latin typeface="Cambria Math" panose="02040503050406030204" pitchFamily="18" charset="0"/>
+                            <a:latin typeface="Cambria Math"/>
                           </a:rPr>
                         </m:ctrlPr>
                       </m:sSubSupPr>
@@ -14285,7 +14369,7 @@
                             <a:solidFill>
                               <a:srgbClr val="FF0000"/>
                             </a:solidFill>
-                            <a:latin typeface="Cambria Math" panose="02040503050406030204" pitchFamily="18" charset="0"/>
+                            <a:latin typeface="Cambria Math"/>
                           </a:rPr>
                         </m:ctrlPr>
                       </m:sSubSupPr>
@@ -14459,7 +14543,7 @@
                             <a:solidFill>
                               <a:srgbClr val="FF0000"/>
                             </a:solidFill>
-                            <a:latin typeface="Cambria Math" panose="02040503050406030204" pitchFamily="18" charset="0"/>
+                            <a:latin typeface="Cambria Math"/>
                           </a:rPr>
                         </m:ctrlPr>
                       </m:sSubSupPr>
@@ -14513,7 +14597,7 @@
                             <a:solidFill>
                               <a:srgbClr val="FF0000"/>
                             </a:solidFill>
-                            <a:latin typeface="Cambria Math" panose="02040503050406030204" pitchFamily="18" charset="0"/>
+                            <a:latin typeface="Cambria Math"/>
                           </a:rPr>
                         </m:ctrlPr>
                       </m:sSubSupPr>
@@ -14613,7 +14697,7 @@
                             <a:solidFill>
                               <a:srgbClr val="FF0000"/>
                             </a:solidFill>
-                            <a:latin typeface="Cambria Math" panose="02040503050406030204" pitchFamily="18" charset="0"/>
+                            <a:latin typeface="Cambria Math"/>
                           </a:rPr>
                         </m:ctrlPr>
                       </m:sSubSupPr>
@@ -14694,7 +14778,7 @@
                             <a:solidFill>
                               <a:srgbClr val="FF0000"/>
                             </a:solidFill>
-                            <a:latin typeface="Cambria Math" panose="02040503050406030204" pitchFamily="18" charset="0"/>
+                            <a:latin typeface="Cambria Math"/>
                           </a:rPr>
                         </m:ctrlPr>
                       </m:dPr>
@@ -14706,7 +14790,7 @@
                                 <a:solidFill>
                                   <a:srgbClr val="FF0000"/>
                                 </a:solidFill>
-                                <a:latin typeface="Cambria Math" panose="02040503050406030204" pitchFamily="18" charset="0"/>
+                                <a:latin typeface="Cambria Math"/>
                               </a:rPr>
                             </m:ctrlPr>
                           </m:sSubPr>
@@ -14822,7 +14906,7 @@
             </p:txBody>
           </p:sp>
         </mc:Choice>
-        <mc:Fallback xmlns="">
+        <mc:Fallback>
           <p:sp>
             <p:nvSpPr>
               <p:cNvPr id="3" name="직사각형 2"/>
@@ -14834,15 +14918,15 @@
             <p:spPr>
               <a:xfrm>
                 <a:off x="-116362" y="3626336"/>
-                <a:ext cx="9008842" cy="903068"/>
+                <a:ext cx="9008842" cy="1431161"/>
               </a:xfrm>
               <a:prstGeom prst="rect">
                 <a:avLst/>
               </a:prstGeom>
-              <a:blipFill>
+              <a:blipFill rotWithShape="1">
                 <a:blip r:embed="rId4"/>
                 <a:stretch>
-                  <a:fillRect t="-1351" b="-6081"/>
+                  <a:fillRect t="-426" b="-3404"/>
                 </a:stretch>
               </a:blipFill>
             </p:spPr>
@@ -14907,7 +14991,7 @@
                                         <p:tgtEl>
                                           <p:spTgt spid="3">
                                             <p:txEl>
-                                              <p:pRg st="0" end="0"/>
+                                              <p:pRg st="2" end="2"/>
                                             </p:txEl>
                                           </p:spTgt>
                                         </p:tgtEl>
@@ -14925,7 +15009,7 @@
                                         <p:tgtEl>
                                           <p:spTgt spid="3">
                                             <p:txEl>
-                                              <p:pRg st="0" end="0"/>
+                                              <p:pRg st="2" end="2"/>
                                             </p:txEl>
                                           </p:spTgt>
                                         </p:tgtEl>
@@ -14968,7 +15052,7 @@
                                         <p:tgtEl>
                                           <p:spTgt spid="3">
                                             <p:txEl>
-                                              <p:pRg st="1" end="1"/>
+                                              <p:pRg st="0" end="0"/>
                                             </p:txEl>
                                           </p:spTgt>
                                         </p:tgtEl>
@@ -14986,7 +15070,129 @@
                                         <p:tgtEl>
                                           <p:spTgt spid="3">
                                             <p:txEl>
+                                              <p:pRg st="0" end="0"/>
+                                            </p:txEl>
+                                          </p:spTgt>
+                                        </p:tgtEl>
+                                      </p:cBhvr>
+                                    </p:animEffect>
+                                  </p:childTnLst>
+                                </p:cTn>
+                              </p:par>
+                            </p:childTnLst>
+                          </p:cTn>
+                        </p:par>
+                      </p:childTnLst>
+                    </p:cTn>
+                  </p:par>
+                  <p:par>
+                    <p:cTn id="13" fill="hold">
+                      <p:stCondLst>
+                        <p:cond delay="indefinite"/>
+                      </p:stCondLst>
+                      <p:childTnLst>
+                        <p:par>
+                          <p:cTn id="14" fill="hold">
+                            <p:stCondLst>
+                              <p:cond delay="0"/>
+                            </p:stCondLst>
+                            <p:childTnLst>
+                              <p:par>
+                                <p:cTn id="15" presetID="10" presetClass="entr" presetSubtype="0" fill="hold" nodeType="clickEffect">
+                                  <p:stCondLst>
+                                    <p:cond delay="0"/>
+                                  </p:stCondLst>
+                                  <p:childTnLst>
+                                    <p:set>
+                                      <p:cBhvr>
+                                        <p:cTn id="16" dur="1" fill="hold">
+                                          <p:stCondLst>
+                                            <p:cond delay="0"/>
+                                          </p:stCondLst>
+                                        </p:cTn>
+                                        <p:tgtEl>
+                                          <p:spTgt spid="3">
+                                            <p:txEl>
                                               <p:pRg st="1" end="1"/>
+                                            </p:txEl>
+                                          </p:spTgt>
+                                        </p:tgtEl>
+                                        <p:attrNameLst>
+                                          <p:attrName>style.visibility</p:attrName>
+                                        </p:attrNameLst>
+                                      </p:cBhvr>
+                                      <p:to>
+                                        <p:strVal val="visible"/>
+                                      </p:to>
+                                    </p:set>
+                                    <p:animEffect transition="in" filter="fade">
+                                      <p:cBhvr>
+                                        <p:cTn id="17" dur="500"/>
+                                        <p:tgtEl>
+                                          <p:spTgt spid="3">
+                                            <p:txEl>
+                                              <p:pRg st="1" end="1"/>
+                                            </p:txEl>
+                                          </p:spTgt>
+                                        </p:tgtEl>
+                                      </p:cBhvr>
+                                    </p:animEffect>
+                                  </p:childTnLst>
+                                </p:cTn>
+                              </p:par>
+                            </p:childTnLst>
+                          </p:cTn>
+                        </p:par>
+                      </p:childTnLst>
+                    </p:cTn>
+                  </p:par>
+                  <p:par>
+                    <p:cTn id="18" fill="hold">
+                      <p:stCondLst>
+                        <p:cond delay="indefinite"/>
+                      </p:stCondLst>
+                      <p:childTnLst>
+                        <p:par>
+                          <p:cTn id="19" fill="hold">
+                            <p:stCondLst>
+                              <p:cond delay="0"/>
+                            </p:stCondLst>
+                            <p:childTnLst>
+                              <p:par>
+                                <p:cTn id="20" presetID="10" presetClass="entr" presetSubtype="0" fill="hold" nodeType="clickEffect">
+                                  <p:stCondLst>
+                                    <p:cond delay="0"/>
+                                  </p:stCondLst>
+                                  <p:childTnLst>
+                                    <p:set>
+                                      <p:cBhvr>
+                                        <p:cTn id="21" dur="1" fill="hold">
+                                          <p:stCondLst>
+                                            <p:cond delay="0"/>
+                                          </p:stCondLst>
+                                        </p:cTn>
+                                        <p:tgtEl>
+                                          <p:spTgt spid="3">
+                                            <p:txEl>
+                                              <p:pRg st="3" end="3"/>
+                                            </p:txEl>
+                                          </p:spTgt>
+                                        </p:tgtEl>
+                                        <p:attrNameLst>
+                                          <p:attrName>style.visibility</p:attrName>
+                                        </p:attrNameLst>
+                                      </p:cBhvr>
+                                      <p:to>
+                                        <p:strVal val="visible"/>
+                                      </p:to>
+                                    </p:set>
+                                    <p:animEffect transition="in" filter="fade">
+                                      <p:cBhvr>
+                                        <p:cTn id="22" dur="500"/>
+                                        <p:tgtEl>
+                                          <p:spTgt spid="3">
+                                            <p:txEl>
+                                              <p:pRg st="3" end="3"/>
                                             </p:txEl>
                                           </p:spTgt>
                                         </p:tgtEl>
@@ -15067,7 +15273,6 @@
               <a:rPr lang="en-US" altLang="ko-KR" dirty="0"/>
               <a:t>0/1 Knapsack Problem</a:t>
             </a:r>
-            <a:endParaRPr lang="en-US" altLang="ko-KR" dirty="0"/>
           </a:p>
         </p:txBody>
       </p:sp>
@@ -16262,7 +16467,6 @@
               <a:rPr lang="en-US" altLang="ko-KR" dirty="0"/>
               <a:t>0/1 Knapsack Problem</a:t>
             </a:r>
-            <a:endParaRPr lang="en-US" altLang="ko-KR" dirty="0"/>
           </a:p>
         </p:txBody>
       </p:sp>
@@ -17653,14 +17857,6 @@
               </a:rPr>
               <a:t>Base: Full Search</a:t>
             </a:r>
-            <a:endParaRPr lang="en-US" altLang="ko-KR" sz="2000" kern="0" dirty="0" smtClean="0">
-              <a:solidFill>
-                <a:srgbClr val="000000"/>
-              </a:solidFill>
-              <a:latin typeface="Arial"/>
-              <a:ea typeface="굴림"/>
-              <a:cs typeface="Tahoma" panose="020B0604030504040204" pitchFamily="34" charset="0"/>
-            </a:endParaRPr>
           </a:p>
           <a:p>
             <a:pPr marL="800100" lvl="1" indent="-342900" fontAlgn="t">
@@ -17685,14 +17881,6 @@
               </a:rPr>
               <a:t>Reducing Time Complexity: Branch and Bound</a:t>
             </a:r>
-            <a:endParaRPr lang="en-US" altLang="ko-KR" sz="2000" kern="0" dirty="0" smtClean="0">
-              <a:solidFill>
-                <a:srgbClr val="000000"/>
-              </a:solidFill>
-              <a:latin typeface="Arial"/>
-              <a:ea typeface="굴림"/>
-              <a:cs typeface="Tahoma" panose="020B0604030504040204" pitchFamily="34" charset="0"/>
-            </a:endParaRPr>
           </a:p>
         </p:txBody>
       </p:sp>
@@ -21578,7 +21766,7 @@
   <a:extraClrSchemeLst/>
   <a:extLst>
     <a:ext uri="{05A4C25C-085E-4340-85A3-A5531E510DB2}">
-      <thm15:themeFamily xmlns:thm15="http://schemas.microsoft.com/office/thememl/2012/main" name="Office Theme" id="{62F939B6-93AF-4DB8-9C6B-D6C7DFDC589F}" vid="{4A3C46E8-61CC-4603-A589-7422A47A8E4A}"/>
+      <thm15:themeFamily xmlns:thm15="http://schemas.microsoft.com/office/thememl/2012/main" xmlns="" name="Office Theme" id="{62F939B6-93AF-4DB8-9C6B-D6C7DFDC589F}" vid="{4A3C46E8-61CC-4603-A589-7422A47A8E4A}"/>
     </a:ext>
   </a:extLst>
 </a:theme>
